--- a/1HUST-Theme-PPT/v1留边4-3.pptx
+++ b/1HUST-Theme-PPT/v1留边4-3.pptx
@@ -550,7 +550,7 @@
             </a:pPr>
             <a:fld id="{E4551058-E5DB-324A-A8E9-6D3BEF243C3B}" type="datetimeFigureOut">
               <a:rPr kumimoji="1" lang="zh-CN" altLang="en-US" smtClean="0"/>
-              <a:t>2026/1/18</a:t>
+              <a:t>2026/1/21</a:t>
             </a:fld>
             <a:endParaRPr kumimoji="1" lang="zh-CN" altLang="en-US"/>
           </a:p>
@@ -957,7 +957,7 @@
             </a:pPr>
             <a:fld id="{E4551058-E5DB-324A-A8E9-6D3BEF243C3B}" type="datetimeFigureOut">
               <a:rPr kumimoji="1" lang="zh-CN" altLang="en-US" smtClean="0"/>
-              <a:t>2026/1/18</a:t>
+              <a:t>2026/1/21</a:t>
             </a:fld>
             <a:endParaRPr kumimoji="1" lang="zh-CN" altLang="en-US"/>
           </a:p>
@@ -1301,7 +1301,7 @@
             </a:pPr>
             <a:fld id="{E4551058-E5DB-324A-A8E9-6D3BEF243C3B}" type="datetimeFigureOut">
               <a:rPr kumimoji="1" lang="zh-CN" altLang="en-US" smtClean="0"/>
-              <a:t>2026/1/18</a:t>
+              <a:t>2026/1/21</a:t>
             </a:fld>
             <a:endParaRPr kumimoji="1" lang="zh-CN" altLang="en-US"/>
           </a:p>
@@ -1642,7 +1642,7 @@
             </a:pPr>
             <a:fld id="{E4551058-E5DB-324A-A8E9-6D3BEF243C3B}" type="datetimeFigureOut">
               <a:rPr kumimoji="1" lang="zh-CN" altLang="en-US" smtClean="0"/>
-              <a:t>2026/1/18</a:t>
+              <a:t>2026/1/21</a:t>
             </a:fld>
             <a:endParaRPr kumimoji="1" lang="zh-CN" altLang="en-US"/>
           </a:p>
@@ -1968,7 +1968,7 @@
             </a:pPr>
             <a:fld id="{E4551058-E5DB-324A-A8E9-6D3BEF243C3B}" type="datetimeFigureOut">
               <a:rPr kumimoji="1" lang="zh-CN" altLang="en-US" smtClean="0"/>
-              <a:t>2026/1/18</a:t>
+              <a:t>2026/1/21</a:t>
             </a:fld>
             <a:endParaRPr kumimoji="1" lang="zh-CN" altLang="en-US"/>
           </a:p>
@@ -2320,7 +2320,7 @@
             </a:pPr>
             <a:fld id="{E4551058-E5DB-324A-A8E9-6D3BEF243C3B}" type="datetimeFigureOut">
               <a:rPr kumimoji="1" lang="zh-CN" altLang="en-US" smtClean="0"/>
-              <a:t>2026/1/18</a:t>
+              <a:t>2026/1/21</a:t>
             </a:fld>
             <a:endParaRPr kumimoji="1" lang="zh-CN" altLang="en-US"/>
           </a:p>
@@ -2930,7 +2930,7 @@
             </a:pPr>
             <a:fld id="{E4551058-E5DB-324A-A8E9-6D3BEF243C3B}" type="datetimeFigureOut">
               <a:rPr kumimoji="1" lang="zh-CN" altLang="en-US" smtClean="0"/>
-              <a:t>2026/1/18</a:t>
+              <a:t>2026/1/21</a:t>
             </a:fld>
             <a:endParaRPr kumimoji="1" lang="zh-CN" altLang="en-US" dirty="0"/>
           </a:p>
@@ -3314,7 +3314,7 @@
             </a:pPr>
             <a:fld id="{E4551058-E5DB-324A-A8E9-6D3BEF243C3B}" type="datetimeFigureOut">
               <a:rPr kumimoji="1" lang="zh-CN" altLang="en-US" smtClean="0"/>
-              <a:t>2026/1/18</a:t>
+              <a:t>2026/1/21</a:t>
             </a:fld>
             <a:endParaRPr kumimoji="1" lang="zh-CN" altLang="en-US"/>
           </a:p>
@@ -3825,7 +3825,7 @@
             </a:pPr>
             <a:fld id="{E4551058-E5DB-324A-A8E9-6D3BEF243C3B}" type="datetimeFigureOut">
               <a:rPr kumimoji="1" lang="zh-CN" altLang="en-US" smtClean="0"/>
-              <a:t>2026/1/18</a:t>
+              <a:t>2026/1/21</a:t>
             </a:fld>
             <a:endParaRPr kumimoji="1" lang="zh-CN" altLang="en-US"/>
           </a:p>
@@ -3992,7 +3992,7 @@
             </a:pPr>
             <a:fld id="{E4551058-E5DB-324A-A8E9-6D3BEF243C3B}" type="datetimeFigureOut">
               <a:rPr kumimoji="1" lang="zh-CN" altLang="en-US" smtClean="0"/>
-              <a:t>2026/1/18</a:t>
+              <a:t>2026/1/21</a:t>
             </a:fld>
             <a:endParaRPr kumimoji="1" lang="zh-CN" altLang="en-US"/>
           </a:p>
@@ -4159,7 +4159,7 @@
             </a:pPr>
             <a:fld id="{E4551058-E5DB-324A-A8E9-6D3BEF243C3B}" type="datetimeFigureOut">
               <a:rPr kumimoji="1" lang="zh-CN" altLang="en-US" smtClean="0"/>
-              <a:t>2026/1/18</a:t>
+              <a:t>2026/1/21</a:t>
             </a:fld>
             <a:endParaRPr kumimoji="1" lang="zh-CN" altLang="en-US"/>
           </a:p>
@@ -4760,7 +4760,7 @@
             </a:pPr>
             <a:fld id="{E4551058-E5DB-324A-A8E9-6D3BEF243C3B}" type="datetimeFigureOut">
               <a:rPr kumimoji="1" lang="zh-CN" altLang="en-US" smtClean="0"/>
-              <a:t>2026/1/18</a:t>
+              <a:t>2026/1/21</a:t>
             </a:fld>
             <a:endParaRPr kumimoji="1" lang="zh-CN" altLang="en-US" dirty="0"/>
           </a:p>
@@ -5237,7 +5237,7 @@
             </a:pPr>
             <a:fld id="{E4551058-E5DB-324A-A8E9-6D3BEF243C3B}" type="datetimeFigureOut">
               <a:rPr kumimoji="1" lang="zh-CN" altLang="en-US" smtClean="0"/>
-              <a:t>2026/1/18</a:t>
+              <a:t>2026/1/21</a:t>
             </a:fld>
             <a:endParaRPr kumimoji="1" lang="zh-CN" altLang="en-US"/>
           </a:p>
@@ -5846,7 +5846,7 @@
         </p:nvSpPr>
         <p:spPr>
           <a:ln>
-            <a:solidFill/>
+            <a:noFill/>
           </a:ln>
         </p:spPr>
         <p:txBody>
@@ -5913,7 +5913,7 @@
         </p:nvSpPr>
         <p:spPr>
           <a:ln>
-            <a:solidFill/>
+            <a:noFill/>
           </a:ln>
         </p:spPr>
         <p:txBody>
@@ -6046,7 +6046,7 @@
         </p:nvSpPr>
         <p:spPr>
           <a:ln>
-            <a:solidFill/>
+            <a:noFill/>
           </a:ln>
         </p:spPr>
         <p:txBody>
@@ -6085,7 +6085,7 @@
         </p:nvSpPr>
         <p:spPr>
           <a:ln>
-            <a:solidFill/>
+            <a:noFill/>
           </a:ln>
         </p:spPr>
         <p:txBody>
@@ -6202,7 +6202,7 @@
         </p:nvSpPr>
         <p:spPr>
           <a:ln>
-            <a:solidFill/>
+            <a:noFill/>
           </a:ln>
         </p:spPr>
         <p:txBody>
@@ -6381,7 +6381,7 @@
         </p:nvSpPr>
         <p:spPr>
           <a:ln>
-            <a:solidFill/>
+            <a:noFill/>
           </a:ln>
         </p:spPr>
         <p:txBody>
@@ -6456,7 +6456,7 @@
         </p:nvSpPr>
         <p:spPr>
           <a:ln>
-            <a:solidFill/>
+            <a:noFill/>
           </a:ln>
         </p:spPr>
         <p:txBody>
@@ -6496,7 +6496,7 @@
         </p:nvSpPr>
         <p:spPr>
           <a:ln>
-            <a:solidFill/>
+            <a:noFill/>
           </a:ln>
         </p:spPr>
         <p:txBody>
@@ -6621,7 +6621,7 @@
         </p:nvSpPr>
         <p:spPr>
           <a:ln>
-            <a:solidFill/>
+            <a:noFill/>
           </a:ln>
         </p:spPr>
         <p:txBody>
@@ -6661,7 +6661,7 @@
         </p:nvSpPr>
         <p:spPr>
           <a:ln>
-            <a:solidFill/>
+            <a:noFill/>
           </a:ln>
         </p:spPr>
         <p:txBody>
@@ -6814,7 +6814,7 @@
         </p:nvSpPr>
         <p:spPr>
           <a:ln>
-            <a:solidFill/>
+            <a:noFill/>
           </a:ln>
         </p:spPr>
         <p:txBody>
@@ -6889,7 +6889,7 @@
         </p:nvSpPr>
         <p:spPr>
           <a:ln>
-            <a:solidFill/>
+            <a:noFill/>
           </a:ln>
         </p:spPr>
         <p:txBody>
@@ -6928,7 +6928,7 @@
         </p:nvSpPr>
         <p:spPr>
           <a:ln>
-            <a:solidFill/>
+            <a:noFill/>
           </a:ln>
         </p:spPr>
         <p:txBody>
@@ -7003,7 +7003,7 @@
         </p:nvSpPr>
         <p:spPr>
           <a:ln>
-            <a:solidFill/>
+            <a:noFill/>
           </a:ln>
         </p:spPr>
         <p:txBody>
@@ -7042,7 +7042,7 @@
         </p:nvSpPr>
         <p:spPr>
           <a:ln>
-            <a:solidFill/>
+            <a:noFill/>
           </a:ln>
         </p:spPr>
         <p:txBody>
@@ -7124,7 +7124,7 @@
         </p:nvSpPr>
         <p:spPr>
           <a:ln>
-            <a:solidFill/>
+            <a:noFill/>
           </a:ln>
         </p:spPr>
         <p:txBody>
@@ -7163,7 +7163,7 @@
         </p:nvSpPr>
         <p:spPr>
           <a:ln>
-            <a:solidFill/>
+            <a:noFill/>
           </a:ln>
         </p:spPr>
         <p:txBody>
@@ -7252,7 +7252,7 @@
         </p:nvSpPr>
         <p:spPr>
           <a:ln>
-            <a:solidFill/>
+            <a:noFill/>
           </a:ln>
         </p:spPr>
         <p:txBody>
@@ -7291,7 +7291,7 @@
         </p:nvSpPr>
         <p:spPr>
           <a:ln>
-            <a:solidFill/>
+            <a:noFill/>
           </a:ln>
         </p:spPr>
         <p:txBody>
